--- a/Clase 3.pptx
+++ b/Clase 3.pptx
@@ -228,7 +228,7 @@
           <a:p>
             <a:fld id="{6D75194F-2CBD-487E-937E-372F803761BC}" type="datetimeFigureOut">
               <a:rPr lang="es-CR" smtClean="0"/>
-              <a:t>2/2/21</a:t>
+              <a:t>5/2/21</a:t>
             </a:fld>
             <a:endParaRPr lang="es-CR"/>
           </a:p>
@@ -689,7 +689,7 @@
           <a:p>
             <a:fld id="{07696E89-D1F6-4349-9501-76A218A7375F}" type="datetimeFigureOut">
               <a:rPr lang="es-CR" smtClean="0"/>
-              <a:t>2/2/21</a:t>
+              <a:t>5/2/21</a:t>
             </a:fld>
             <a:endParaRPr lang="es-CR"/>
           </a:p>
@@ -881,7 +881,7 @@
           <a:p>
             <a:fld id="{07696E89-D1F6-4349-9501-76A218A7375F}" type="datetimeFigureOut">
               <a:rPr lang="es-CR" smtClean="0"/>
-              <a:t>2/2/21</a:t>
+              <a:t>5/2/21</a:t>
             </a:fld>
             <a:endParaRPr lang="es-CR"/>
           </a:p>
@@ -1124,7 +1124,7 @@
           <a:p>
             <a:fld id="{07696E89-D1F6-4349-9501-76A218A7375F}" type="datetimeFigureOut">
               <a:rPr lang="es-CR" smtClean="0"/>
-              <a:t>2/2/21</a:t>
+              <a:t>5/2/21</a:t>
             </a:fld>
             <a:endParaRPr lang="es-CR"/>
           </a:p>
@@ -6995,73 +6995,6 @@
               </a:lnSpc>
             </a:pPr>
             <a:endParaRPr lang="es-ES" sz="2000" dirty="0"/>
-          </a:p>
-          <a:p>
-            <a:pPr lvl="1">
-              <a:lnSpc>
-                <a:spcPct val="170000"/>
-              </a:lnSpc>
-            </a:pPr>
-            <a:r>
-              <a:rPr lang="es-ES" sz="2000" dirty="0"/>
-              <a:t>Estructuras de control</a:t>
-            </a:r>
-          </a:p>
-          <a:p>
-            <a:pPr lvl="2">
-              <a:lnSpc>
-                <a:spcPct val="170000"/>
-              </a:lnSpc>
-            </a:pPr>
-            <a:r>
-              <a:rPr lang="es-ES" sz="1600" dirty="0" err="1"/>
-              <a:t>if</a:t>
-            </a:r>
-            <a:endParaRPr lang="es-ES" sz="1600" dirty="0"/>
-          </a:p>
-          <a:p>
-            <a:pPr lvl="2">
-              <a:lnSpc>
-                <a:spcPct val="170000"/>
-              </a:lnSpc>
-            </a:pPr>
-            <a:r>
-              <a:rPr lang="es-ES" sz="1600" dirty="0" err="1"/>
-              <a:t>for</a:t>
-            </a:r>
-            <a:r>
-              <a:rPr lang="es-ES" sz="1600" dirty="0"/>
-              <a:t> </a:t>
-            </a:r>
-            <a:r>
-              <a:rPr lang="es-ES" sz="1600" dirty="0" err="1"/>
-              <a:t>loop</a:t>
-            </a:r>
-            <a:endParaRPr lang="es-ES" sz="1600" dirty="0"/>
-          </a:p>
-          <a:p>
-            <a:pPr lvl="2">
-              <a:lnSpc>
-                <a:spcPct val="170000"/>
-              </a:lnSpc>
-            </a:pPr>
-            <a:r>
-              <a:rPr lang="es-ES" sz="1600" dirty="0" err="1"/>
-              <a:t>while</a:t>
-            </a:r>
-            <a:endParaRPr lang="es-ES" sz="1600" dirty="0"/>
-          </a:p>
-          <a:p>
-            <a:pPr lvl="2">
-              <a:lnSpc>
-                <a:spcPct val="170000"/>
-              </a:lnSpc>
-            </a:pPr>
-            <a:r>
-              <a:rPr lang="es-ES" sz="1600" dirty="0" err="1"/>
-              <a:t>repeat</a:t>
-            </a:r>
-            <a:endParaRPr lang="es-ES" sz="1600" dirty="0"/>
           </a:p>
           <a:p>
             <a:pPr marL="457200" lvl="1" indent="0">
